--- a/output/figures/all_figures_annotated.pptx
+++ b/output/figures/all_figures_annotated.pptx
@@ -8,6 +8,8 @@
     <p:sldId id="256" r:id="rId2"/>
     <p:sldId id="257" r:id="rId3"/>
     <p:sldId id="258" r:id="rId4"/>
+    <p:sldId id="259" r:id="rId5"/>
+    <p:sldId id="260" r:id="rId6"/>
   </p:sldIdLst>
   <p:sldSz cx="12192000" cy="6858000"/>
   <p:notesSz cx="6858000" cy="9144000"/>
@@ -3771,6 +3773,536 @@
 </p:sld>
 </file>
 
+<file path=ppt/slides/slide4.xml><?xml version="1.0" encoding="utf-8"?>
+<p:sld xmlns:a="http://schemas.openxmlformats.org/drawingml/2006/main" xmlns:r="http://schemas.openxmlformats.org/officeDocument/2006/relationships" xmlns:p="http://schemas.openxmlformats.org/presentationml/2006/main">
+  <p:cSld>
+    <p:spTree>
+      <p:nvGrpSpPr>
+        <p:cNvPr id="1" name=""/>
+        <p:cNvGrpSpPr/>
+        <p:nvPr/>
+      </p:nvGrpSpPr>
+      <p:grpSpPr>
+        <a:xfrm>
+          <a:off x="0" y="0"/>
+          <a:ext cx="0" cy="0"/>
+          <a:chOff x="0" y="0"/>
+          <a:chExt cx="0" cy="0"/>
+        </a:xfrm>
+      </p:grpSpPr>
+      <p:pic>
+        <p:nvPicPr>
+          <p:cNvPr id="9" name="Picture 8">
+            <a:extLst>
+              <a:ext uri="{FF2B5EF4-FFF2-40B4-BE49-F238E27FC236}">
+                <a16:creationId xmlns:a16="http://schemas.microsoft.com/office/drawing/2014/main" id="{80AA63D6-4113-09E2-B328-EC6262248804}"/>
+              </a:ext>
+            </a:extLst>
+          </p:cNvPr>
+          <p:cNvPicPr>
+            <a:picLocks noChangeAspect="1"/>
+          </p:cNvPicPr>
+          <p:nvPr/>
+        </p:nvPicPr>
+        <p:blipFill>
+          <a:blip r:embed="rId2"/>
+          <a:stretch>
+            <a:fillRect/>
+          </a:stretch>
+        </p:blipFill>
+        <p:spPr>
+          <a:xfrm>
+            <a:off x="2209800" y="524700"/>
+            <a:ext cx="7772400" cy="4856927"/>
+          </a:xfrm>
+          <a:prstGeom prst="rect">
+            <a:avLst/>
+          </a:prstGeom>
+        </p:spPr>
+      </p:pic>
+      <p:sp>
+        <p:nvSpPr>
+          <p:cNvPr id="4" name="Right Brace 3">
+            <a:extLst>
+              <a:ext uri="{FF2B5EF4-FFF2-40B4-BE49-F238E27FC236}">
+                <a16:creationId xmlns:a16="http://schemas.microsoft.com/office/drawing/2014/main" id="{67A28922-2766-AB9A-8180-308C3FB7F1FB}"/>
+              </a:ext>
+            </a:extLst>
+          </p:cNvPr>
+          <p:cNvSpPr/>
+          <p:nvPr/>
+        </p:nvSpPr>
+        <p:spPr>
+          <a:xfrm>
+            <a:off x="9921712" y="2755232"/>
+            <a:ext cx="84802" cy="1042196"/>
+          </a:xfrm>
+          <a:prstGeom prst="rightBrace">
+            <a:avLst/>
+          </a:prstGeom>
+          <a:ln w="19050">
+            <a:solidFill>
+              <a:schemeClr val="bg2">
+                <a:lumMod val="25000"/>
+              </a:schemeClr>
+            </a:solidFill>
+          </a:ln>
+        </p:spPr>
+        <p:style>
+          <a:lnRef idx="1">
+            <a:schemeClr val="dk1"/>
+          </a:lnRef>
+          <a:fillRef idx="0">
+            <a:schemeClr val="dk1"/>
+          </a:fillRef>
+          <a:effectRef idx="0">
+            <a:schemeClr val="dk1"/>
+          </a:effectRef>
+          <a:fontRef idx="minor">
+            <a:schemeClr val="tx1"/>
+          </a:fontRef>
+        </p:style>
+        <p:txBody>
+          <a:bodyPr rtlCol="0" anchor="ctr"/>
+          <a:lstStyle/>
+          <a:p>
+            <a:pPr algn="ctr"/>
+            <a:endParaRPr lang="en-CH"/>
+          </a:p>
+        </p:txBody>
+      </p:sp>
+      <p:sp>
+        <p:nvSpPr>
+          <p:cNvPr id="5" name="TextBox 4">
+            <a:extLst>
+              <a:ext uri="{FF2B5EF4-FFF2-40B4-BE49-F238E27FC236}">
+                <a16:creationId xmlns:a16="http://schemas.microsoft.com/office/drawing/2014/main" id="{D64770B7-B9D1-31A6-CC26-44ED6FEB873F}"/>
+              </a:ext>
+            </a:extLst>
+          </p:cNvPr>
+          <p:cNvSpPr txBox="1"/>
+          <p:nvPr/>
+        </p:nvSpPr>
+        <p:spPr>
+          <a:xfrm>
+            <a:off x="10132552" y="2953164"/>
+            <a:ext cx="1611649" cy="646331"/>
+          </a:xfrm>
+          <a:prstGeom prst="rect">
+            <a:avLst/>
+          </a:prstGeom>
+          <a:noFill/>
+        </p:spPr>
+        <p:txBody>
+          <a:bodyPr wrap="square" rtlCol="0">
+            <a:spAutoFit/>
+          </a:bodyPr>
+          <a:lstStyle/>
+          <a:p>
+            <a:r>
+              <a:rPr lang="en-CH" dirty="0">
+                <a:solidFill>
+                  <a:schemeClr val="tx1">
+                    <a:lumMod val="85000"/>
+                    <a:lumOff val="15000"/>
+                  </a:schemeClr>
+                </a:solidFill>
+                <a:latin typeface="Arial" panose="020B0604020202020204" pitchFamily="34" charset="0"/>
+                <a:cs typeface="Arial" panose="020B0604020202020204" pitchFamily="34" charset="0"/>
+              </a:rPr>
+              <a:t>Biofilm</a:t>
+            </a:r>
+          </a:p>
+          <a:p>
+            <a:r>
+              <a:rPr lang="en-CH" dirty="0">
+                <a:solidFill>
+                  <a:schemeClr val="tx1">
+                    <a:lumMod val="85000"/>
+                    <a:lumOff val="15000"/>
+                  </a:schemeClr>
+                </a:solidFill>
+                <a:latin typeface="Arial" panose="020B0604020202020204" pitchFamily="34" charset="0"/>
+                <a:cs typeface="Arial" panose="020B0604020202020204" pitchFamily="34" charset="0"/>
+              </a:rPr>
+              <a:t>samples</a:t>
+            </a:r>
+          </a:p>
+        </p:txBody>
+      </p:sp>
+      <p:sp>
+        <p:nvSpPr>
+          <p:cNvPr id="6" name="Right Brace 5">
+            <a:extLst>
+              <a:ext uri="{FF2B5EF4-FFF2-40B4-BE49-F238E27FC236}">
+                <a16:creationId xmlns:a16="http://schemas.microsoft.com/office/drawing/2014/main" id="{216EB755-840C-07FB-60F4-C0C8314AD18A}"/>
+              </a:ext>
+            </a:extLst>
+          </p:cNvPr>
+          <p:cNvSpPr/>
+          <p:nvPr/>
+        </p:nvSpPr>
+        <p:spPr>
+          <a:xfrm>
+            <a:off x="9921710" y="1836873"/>
+            <a:ext cx="84803" cy="825069"/>
+          </a:xfrm>
+          <a:prstGeom prst="rightBrace">
+            <a:avLst/>
+          </a:prstGeom>
+          <a:ln w="19050">
+            <a:solidFill>
+              <a:schemeClr val="bg2">
+                <a:lumMod val="25000"/>
+              </a:schemeClr>
+            </a:solidFill>
+          </a:ln>
+        </p:spPr>
+        <p:style>
+          <a:lnRef idx="1">
+            <a:schemeClr val="dk1"/>
+          </a:lnRef>
+          <a:fillRef idx="0">
+            <a:schemeClr val="dk1"/>
+          </a:fillRef>
+          <a:effectRef idx="0">
+            <a:schemeClr val="dk1"/>
+          </a:effectRef>
+          <a:fontRef idx="minor">
+            <a:schemeClr val="tx1"/>
+          </a:fontRef>
+        </p:style>
+        <p:txBody>
+          <a:bodyPr rtlCol="0" anchor="ctr"/>
+          <a:lstStyle/>
+          <a:p>
+            <a:pPr algn="ctr"/>
+            <a:endParaRPr lang="en-CH"/>
+          </a:p>
+        </p:txBody>
+      </p:sp>
+      <p:sp>
+        <p:nvSpPr>
+          <p:cNvPr id="7" name="TextBox 6">
+            <a:extLst>
+              <a:ext uri="{FF2B5EF4-FFF2-40B4-BE49-F238E27FC236}">
+                <a16:creationId xmlns:a16="http://schemas.microsoft.com/office/drawing/2014/main" id="{8D370A47-920C-44C0-BC00-52B9B5CE6083}"/>
+              </a:ext>
+            </a:extLst>
+          </p:cNvPr>
+          <p:cNvSpPr txBox="1"/>
+          <p:nvPr/>
+        </p:nvSpPr>
+        <p:spPr>
+          <a:xfrm>
+            <a:off x="10132552" y="2015611"/>
+            <a:ext cx="1611649" cy="646331"/>
+          </a:xfrm>
+          <a:prstGeom prst="rect">
+            <a:avLst/>
+          </a:prstGeom>
+          <a:noFill/>
+        </p:spPr>
+        <p:txBody>
+          <a:bodyPr wrap="square" rtlCol="0">
+            <a:spAutoFit/>
+          </a:bodyPr>
+          <a:lstStyle/>
+          <a:p>
+            <a:r>
+              <a:rPr lang="en-CH" dirty="0">
+                <a:solidFill>
+                  <a:schemeClr val="tx1">
+                    <a:lumMod val="85000"/>
+                    <a:lumOff val="15000"/>
+                  </a:schemeClr>
+                </a:solidFill>
+                <a:latin typeface="Arial" panose="020B0604020202020204" pitchFamily="34" charset="0"/>
+                <a:cs typeface="Arial" panose="020B0604020202020204" pitchFamily="34" charset="0"/>
+              </a:rPr>
+              <a:t>Water samples</a:t>
+            </a:r>
+          </a:p>
+        </p:txBody>
+      </p:sp>
+    </p:spTree>
+    <p:extLst>
+      <p:ext uri="{BB962C8B-B14F-4D97-AF65-F5344CB8AC3E}">
+        <p14:creationId xmlns:p14="http://schemas.microsoft.com/office/powerpoint/2010/main" val="799691787"/>
+      </p:ext>
+    </p:extLst>
+  </p:cSld>
+  <p:clrMapOvr>
+    <a:masterClrMapping/>
+  </p:clrMapOvr>
+</p:sld>
+</file>
+
+<file path=ppt/slides/slide5.xml><?xml version="1.0" encoding="utf-8"?>
+<p:sld xmlns:a="http://schemas.openxmlformats.org/drawingml/2006/main" xmlns:r="http://schemas.openxmlformats.org/officeDocument/2006/relationships" xmlns:p="http://schemas.openxmlformats.org/presentationml/2006/main">
+  <p:cSld>
+    <p:spTree>
+      <p:nvGrpSpPr>
+        <p:cNvPr id="1" name=""/>
+        <p:cNvGrpSpPr/>
+        <p:nvPr/>
+      </p:nvGrpSpPr>
+      <p:grpSpPr>
+        <a:xfrm>
+          <a:off x="0" y="0"/>
+          <a:ext cx="0" cy="0"/>
+          <a:chOff x="0" y="0"/>
+          <a:chExt cx="0" cy="0"/>
+        </a:xfrm>
+      </p:grpSpPr>
+      <p:pic>
+        <p:nvPicPr>
+          <p:cNvPr id="5" name="Picture 4">
+            <a:extLst>
+              <a:ext uri="{FF2B5EF4-FFF2-40B4-BE49-F238E27FC236}">
+                <a16:creationId xmlns:a16="http://schemas.microsoft.com/office/drawing/2014/main" id="{36308FA1-6021-464F-800D-F1791A442182}"/>
+              </a:ext>
+            </a:extLst>
+          </p:cNvPr>
+          <p:cNvPicPr>
+            <a:picLocks noChangeAspect="1"/>
+          </p:cNvPicPr>
+          <p:nvPr/>
+        </p:nvPicPr>
+        <p:blipFill>
+          <a:blip r:embed="rId2"/>
+          <a:stretch>
+            <a:fillRect/>
+          </a:stretch>
+        </p:blipFill>
+        <p:spPr>
+          <a:xfrm>
+            <a:off x="0" y="138337"/>
+            <a:ext cx="10287578" cy="5991001"/>
+          </a:xfrm>
+          <a:prstGeom prst="rect">
+            <a:avLst/>
+          </a:prstGeom>
+        </p:spPr>
+      </p:pic>
+      <p:sp>
+        <p:nvSpPr>
+          <p:cNvPr id="6" name="Right Brace 5">
+            <a:extLst>
+              <a:ext uri="{FF2B5EF4-FFF2-40B4-BE49-F238E27FC236}">
+                <a16:creationId xmlns:a16="http://schemas.microsoft.com/office/drawing/2014/main" id="{6107A897-8C67-9256-384E-05E13007A968}"/>
+              </a:ext>
+            </a:extLst>
+          </p:cNvPr>
+          <p:cNvSpPr/>
+          <p:nvPr/>
+        </p:nvSpPr>
+        <p:spPr>
+          <a:xfrm>
+            <a:off x="9978864" y="2814638"/>
+            <a:ext cx="84802" cy="1025653"/>
+          </a:xfrm>
+          <a:prstGeom prst="rightBrace">
+            <a:avLst/>
+          </a:prstGeom>
+          <a:ln w="19050">
+            <a:solidFill>
+              <a:schemeClr val="bg2">
+                <a:lumMod val="25000"/>
+              </a:schemeClr>
+            </a:solidFill>
+          </a:ln>
+        </p:spPr>
+        <p:style>
+          <a:lnRef idx="1">
+            <a:schemeClr val="dk1"/>
+          </a:lnRef>
+          <a:fillRef idx="0">
+            <a:schemeClr val="dk1"/>
+          </a:fillRef>
+          <a:effectRef idx="0">
+            <a:schemeClr val="dk1"/>
+          </a:effectRef>
+          <a:fontRef idx="minor">
+            <a:schemeClr val="tx1"/>
+          </a:fontRef>
+        </p:style>
+        <p:txBody>
+          <a:bodyPr rtlCol="0" anchor="ctr"/>
+          <a:lstStyle/>
+          <a:p>
+            <a:pPr algn="ctr"/>
+            <a:endParaRPr lang="en-CH"/>
+          </a:p>
+        </p:txBody>
+      </p:sp>
+      <p:sp>
+        <p:nvSpPr>
+          <p:cNvPr id="7" name="TextBox 6">
+            <a:extLst>
+              <a:ext uri="{FF2B5EF4-FFF2-40B4-BE49-F238E27FC236}">
+                <a16:creationId xmlns:a16="http://schemas.microsoft.com/office/drawing/2014/main" id="{D3CFA230-A639-22F4-7168-AE0DCC646174}"/>
+              </a:ext>
+            </a:extLst>
+          </p:cNvPr>
+          <p:cNvSpPr txBox="1"/>
+          <p:nvPr/>
+        </p:nvSpPr>
+        <p:spPr>
+          <a:xfrm>
+            <a:off x="10132552" y="2953164"/>
+            <a:ext cx="1611649" cy="646331"/>
+          </a:xfrm>
+          <a:prstGeom prst="rect">
+            <a:avLst/>
+          </a:prstGeom>
+          <a:noFill/>
+        </p:spPr>
+        <p:txBody>
+          <a:bodyPr wrap="square" rtlCol="0">
+            <a:spAutoFit/>
+          </a:bodyPr>
+          <a:lstStyle/>
+          <a:p>
+            <a:r>
+              <a:rPr lang="en-CH" dirty="0">
+                <a:solidFill>
+                  <a:schemeClr val="tx1">
+                    <a:lumMod val="85000"/>
+                    <a:lumOff val="15000"/>
+                  </a:schemeClr>
+                </a:solidFill>
+                <a:latin typeface="Arial" panose="020B0604020202020204" pitchFamily="34" charset="0"/>
+                <a:cs typeface="Arial" panose="020B0604020202020204" pitchFamily="34" charset="0"/>
+              </a:rPr>
+              <a:t>Biofilm</a:t>
+            </a:r>
+          </a:p>
+          <a:p>
+            <a:r>
+              <a:rPr lang="en-CH" dirty="0">
+                <a:solidFill>
+                  <a:schemeClr val="tx1">
+                    <a:lumMod val="85000"/>
+                    <a:lumOff val="15000"/>
+                  </a:schemeClr>
+                </a:solidFill>
+                <a:latin typeface="Arial" panose="020B0604020202020204" pitchFamily="34" charset="0"/>
+                <a:cs typeface="Arial" panose="020B0604020202020204" pitchFamily="34" charset="0"/>
+              </a:rPr>
+              <a:t>samples</a:t>
+            </a:r>
+          </a:p>
+        </p:txBody>
+      </p:sp>
+      <p:sp>
+        <p:nvSpPr>
+          <p:cNvPr id="8" name="Right Brace 7">
+            <a:extLst>
+              <a:ext uri="{FF2B5EF4-FFF2-40B4-BE49-F238E27FC236}">
+                <a16:creationId xmlns:a16="http://schemas.microsoft.com/office/drawing/2014/main" id="{64187E07-CF00-7A60-3D82-CBA3D15335BC}"/>
+              </a:ext>
+            </a:extLst>
+          </p:cNvPr>
+          <p:cNvSpPr/>
+          <p:nvPr/>
+        </p:nvSpPr>
+        <p:spPr>
+          <a:xfrm>
+            <a:off x="9978862" y="2157413"/>
+            <a:ext cx="99091" cy="614361"/>
+          </a:xfrm>
+          <a:prstGeom prst="rightBrace">
+            <a:avLst/>
+          </a:prstGeom>
+          <a:ln w="19050">
+            <a:solidFill>
+              <a:schemeClr val="bg2">
+                <a:lumMod val="25000"/>
+              </a:schemeClr>
+            </a:solidFill>
+          </a:ln>
+        </p:spPr>
+        <p:style>
+          <a:lnRef idx="1">
+            <a:schemeClr val="dk1"/>
+          </a:lnRef>
+          <a:fillRef idx="0">
+            <a:schemeClr val="dk1"/>
+          </a:fillRef>
+          <a:effectRef idx="0">
+            <a:schemeClr val="dk1"/>
+          </a:effectRef>
+          <a:fontRef idx="minor">
+            <a:schemeClr val="tx1"/>
+          </a:fontRef>
+        </p:style>
+        <p:txBody>
+          <a:bodyPr rtlCol="0" anchor="ctr"/>
+          <a:lstStyle/>
+          <a:p>
+            <a:pPr algn="ctr"/>
+            <a:endParaRPr lang="en-CH"/>
+          </a:p>
+        </p:txBody>
+      </p:sp>
+      <p:sp>
+        <p:nvSpPr>
+          <p:cNvPr id="9" name="TextBox 8">
+            <a:extLst>
+              <a:ext uri="{FF2B5EF4-FFF2-40B4-BE49-F238E27FC236}">
+                <a16:creationId xmlns:a16="http://schemas.microsoft.com/office/drawing/2014/main" id="{6948ECAF-593B-6C77-E6D9-BCA2E40EFB96}"/>
+              </a:ext>
+            </a:extLst>
+          </p:cNvPr>
+          <p:cNvSpPr txBox="1"/>
+          <p:nvPr/>
+        </p:nvSpPr>
+        <p:spPr>
+          <a:xfrm>
+            <a:off x="10132552" y="2101339"/>
+            <a:ext cx="1611649" cy="646331"/>
+          </a:xfrm>
+          <a:prstGeom prst="rect">
+            <a:avLst/>
+          </a:prstGeom>
+          <a:noFill/>
+        </p:spPr>
+        <p:txBody>
+          <a:bodyPr wrap="square" rtlCol="0">
+            <a:spAutoFit/>
+          </a:bodyPr>
+          <a:lstStyle/>
+          <a:p>
+            <a:r>
+              <a:rPr lang="en-CH" dirty="0">
+                <a:solidFill>
+                  <a:schemeClr val="tx1">
+                    <a:lumMod val="85000"/>
+                    <a:lumOff val="15000"/>
+                  </a:schemeClr>
+                </a:solidFill>
+                <a:latin typeface="Arial" panose="020B0604020202020204" pitchFamily="34" charset="0"/>
+                <a:cs typeface="Arial" panose="020B0604020202020204" pitchFamily="34" charset="0"/>
+              </a:rPr>
+              <a:t>Water samples</a:t>
+            </a:r>
+          </a:p>
+        </p:txBody>
+      </p:sp>
+    </p:spTree>
+    <p:extLst>
+      <p:ext uri="{BB962C8B-B14F-4D97-AF65-F5344CB8AC3E}">
+        <p14:creationId xmlns:p14="http://schemas.microsoft.com/office/powerpoint/2010/main" val="1526146238"/>
+      </p:ext>
+    </p:extLst>
+  </p:cSld>
+  <p:clrMapOvr>
+    <a:masterClrMapping/>
+  </p:clrMapOvr>
+</p:sld>
+</file>
+
 <file path=ppt/theme/theme1.xml><?xml version="1.0" encoding="utf-8"?>
 <a:theme xmlns:a="http://schemas.openxmlformats.org/drawingml/2006/main" name="Office Theme">
   <a:themeElements>
